--- a/Final Project Presentation.pptx
+++ b/Final Project Presentation.pptx
@@ -11003,7 +11003,7 @@
           <a:bodyPr/>
           <a:lstStyle/>
           <a:p>
-            <a:pPr marL="457200" marR="0" indent="-317500" algn="ctr" rtl="1" eaLnBrk="1" hangingPunct="1">
+            <a:pPr marL="457200" marR="0" indent="-317500" algn="ctr" rtl="0" eaLnBrk="1" hangingPunct="1">
               <a:lnSpc>
                 <a:spcPct val="100000"/>
               </a:lnSpc>
